--- a/paper/diagrams/diag1.pptx
+++ b/paper/diagrams/diag1.pptx
@@ -3466,6 +3466,9 @@
               <a:gd name="adj2" fmla="val 207955"/>
             </a:avLst>
           </a:prstGeom>
+          <a:solidFill>
+            <a:srgbClr val="008000"/>
+          </a:solidFill>
         </p:spPr>
         <p:style>
           <a:lnRef idx="1">
